--- a/Presentaties/RailNL_week7.pptx
+++ b/Presentaties/RailNL_week7.pptx
@@ -11,6 +11,7 @@
     <p:sldId id="261" r:id="rId5"/>
     <p:sldId id="259" r:id="rId6"/>
     <p:sldId id="260" r:id="rId7"/>
+    <p:sldId id="262" r:id="rId8"/>
   </p:sldIdLst>
   <p:sldSz cx="9144000" cy="6858000" type="screen4x3"/>
   <p:notesSz cx="6858000" cy="9144000"/>
@@ -2577,9 +2578,19 @@
 <p:sldMaster xmlns:a="http://schemas.openxmlformats.org/drawingml/2006/main" xmlns:r="http://schemas.openxmlformats.org/officeDocument/2006/relationships" xmlns:p="http://schemas.openxmlformats.org/presentationml/2006/main">
   <p:cSld>
     <p:bg>
-      <p:bgRef idx="1001">
-        <a:schemeClr val="bg1"/>
-      </p:bgRef>
+      <p:bgPr>
+        <a:blipFill dpi="0" rotWithShape="1">
+          <a:blip r:embed="rId13">
+            <a:alphaModFix amt="25000"/>
+            <a:lum/>
+          </a:blip>
+          <a:srcRect/>
+          <a:stretch>
+            <a:fillRect l="-21000" r="-21000"/>
+          </a:stretch>
+        </a:blipFill>
+        <a:effectLst/>
+      </p:bgPr>
     </p:bg>
     <p:spTree>
       <p:nvGrpSpPr>
@@ -3223,7 +3234,9 @@
         </p:nvSpPr>
         <p:spPr/>
         <p:txBody>
-          <a:bodyPr/>
+          <a:bodyPr>
+            <a:normAutofit fontScale="92500" lnSpcReduction="20000"/>
+          </a:bodyPr>
           <a:lstStyle/>
           <a:p>
             <a:r>
@@ -3255,7 +3268,20 @@
           <a:p>
             <a:r>
               <a:rPr lang="nl-NL" dirty="0" smtClean="0"/>
-              <a:t>Inzicht in scores</a:t>
+              <a:t>Inzicht in </a:t>
+            </a:r>
+            <a:r>
+              <a:rPr lang="nl-NL" dirty="0" smtClean="0"/>
+              <a:t>scores</a:t>
+            </a:r>
+          </a:p>
+          <a:p>
+            <a:endParaRPr lang="nl-NL" dirty="0"/>
+          </a:p>
+          <a:p>
+            <a:r>
+              <a:rPr lang="nl-NL" dirty="0" smtClean="0"/>
+              <a:t>Verbeterpunten</a:t>
             </a:r>
             <a:endParaRPr lang="nl-NL" dirty="0"/>
           </a:p>
@@ -3346,7 +3372,9 @@
             </a:r>
           </a:p>
           <a:p>
-            <a:pPr lvl="1"/>
+            <a:pPr marL="457200" lvl="1" indent="0">
+              <a:buNone/>
+            </a:pPr>
             <a:r>
               <a:rPr lang="nl-NL" dirty="0"/>
               <a:t>S = p*10000 - (t*20 + min/10)</a:t>
@@ -3558,13 +3586,25 @@
         </p:nvSpPr>
         <p:spPr/>
         <p:txBody>
-          <a:bodyPr/>
-          <a:lstStyle/>
+          <a:bodyPr>
+            <a:normAutofit lnSpcReduction="10000"/>
+          </a:bodyPr>
+          <a:lstStyle/>
+          <a:p>
+            <a:r>
+              <a:rPr lang="nl-NL" dirty="0" smtClean="0"/>
+              <a:t>Random</a:t>
+            </a:r>
+          </a:p>
+          <a:p>
+            <a:endParaRPr lang="nl-NL" dirty="0" smtClean="0"/>
+          </a:p>
           <a:p>
             <a:r>
               <a:rPr lang="nl-NL" dirty="0" smtClean="0"/>
               <a:t>Dijkstra</a:t>
             </a:r>
+            <a:endParaRPr lang="nl-NL" dirty="0" smtClean="0"/>
           </a:p>
           <a:p>
             <a:endParaRPr lang="nl-NL" dirty="0" smtClean="0"/>
@@ -3644,7 +3684,11 @@
           <a:p>
             <a:r>
               <a:rPr lang="nl-NL" dirty="0" smtClean="0"/>
-              <a:t>Inzicht in scores</a:t>
+              <a:t>Inzicht in </a:t>
+            </a:r>
+            <a:r>
+              <a:rPr lang="nl-NL" dirty="0" smtClean="0"/>
+              <a:t>scores Holland</a:t>
             </a:r>
             <a:endParaRPr lang="nl-NL" dirty="0"/>
           </a:p>
@@ -3662,8 +3706,33 @@
         </p:nvSpPr>
         <p:spPr/>
         <p:txBody>
-          <a:bodyPr/>
-          <a:lstStyle/>
+          <a:bodyPr>
+            <a:normAutofit fontScale="62500" lnSpcReduction="20000"/>
+          </a:bodyPr>
+          <a:lstStyle/>
+          <a:p>
+            <a:r>
+              <a:rPr lang="nl-NL" dirty="0" smtClean="0"/>
+              <a:t>Random</a:t>
+            </a:r>
+          </a:p>
+          <a:p>
+            <a:pPr lvl="1"/>
+            <a:r>
+              <a:rPr lang="nl-NL" dirty="0" smtClean="0"/>
+              <a:t>Onze score = 8772.4</a:t>
+            </a:r>
+          </a:p>
+          <a:p>
+            <a:pPr lvl="1"/>
+            <a:r>
+              <a:rPr lang="nl-NL" dirty="0" smtClean="0"/>
+              <a:t>Max score = 9861.9</a:t>
+            </a:r>
+          </a:p>
+          <a:p>
+            <a:endParaRPr lang="nl-NL" dirty="0"/>
+          </a:p>
           <a:p>
             <a:r>
               <a:rPr lang="nl-NL" dirty="0" smtClean="0"/>
@@ -3671,6 +3740,21 @@
             </a:r>
           </a:p>
           <a:p>
+            <a:pPr lvl="1"/>
+            <a:r>
+              <a:rPr lang="nl-NL" dirty="0" smtClean="0"/>
+              <a:t>Onze score = 7400</a:t>
+            </a:r>
+          </a:p>
+          <a:p>
+            <a:pPr lvl="1"/>
+            <a:r>
+              <a:rPr lang="nl-NL" dirty="0" smtClean="0"/>
+              <a:t>Max score = 9861.9</a:t>
+            </a:r>
+            <a:endParaRPr lang="nl-NL" dirty="0" smtClean="0"/>
+          </a:p>
+          <a:p>
             <a:endParaRPr lang="nl-NL" dirty="0"/>
           </a:p>
           <a:p>
@@ -3680,12 +3764,101 @@
             </a:r>
           </a:p>
           <a:p>
+            <a:pPr lvl="1"/>
+            <a:r>
+              <a:rPr lang="nl-NL" dirty="0" smtClean="0"/>
+              <a:t>Onze score = 9105</a:t>
+            </a:r>
+          </a:p>
+          <a:p>
+            <a:pPr lvl="1"/>
+            <a:r>
+              <a:rPr lang="nl-NL" dirty="0" smtClean="0"/>
+              <a:t>Max score = 9861.9</a:t>
+            </a:r>
+            <a:endParaRPr lang="nl-NL" dirty="0" smtClean="0"/>
+          </a:p>
+          <a:p>
             <a:endParaRPr lang="nl-NL" dirty="0"/>
           </a:p>
           <a:p>
             <a:r>
               <a:rPr lang="nl-NL" dirty="0" smtClean="0"/>
               <a:t>Hillclimber</a:t>
+            </a:r>
+          </a:p>
+          <a:p>
+            <a:pPr lvl="1"/>
+            <a:r>
+              <a:rPr lang="nl-NL" dirty="0" smtClean="0"/>
+              <a:t>Onze score = 9859.3</a:t>
+            </a:r>
+          </a:p>
+          <a:p>
+            <a:pPr lvl="1"/>
+            <a:r>
+              <a:rPr lang="nl-NL" dirty="0" smtClean="0"/>
+              <a:t>Max score = 9861.9</a:t>
+            </a:r>
+            <a:endParaRPr lang="nl-NL" dirty="0"/>
+          </a:p>
+        </p:txBody>
+      </p:sp>
+      <p:sp>
+        <p:nvSpPr>
+          <p:cNvPr id="4" name="TextBox 3"/>
+          <p:cNvSpPr txBox="1"/>
+          <p:nvPr/>
+        </p:nvSpPr>
+        <p:spPr>
+          <a:xfrm>
+            <a:off x="6705600" y="4953000"/>
+            <a:ext cx="1981200" cy="1200329"/>
+          </a:xfrm>
+          <a:prstGeom prst="rect">
+            <a:avLst/>
+          </a:prstGeom>
+          <a:noFill/>
+        </p:spPr>
+        <p:txBody>
+          <a:bodyPr wrap="square" rtlCol="0">
+            <a:spAutoFit/>
+          </a:bodyPr>
+          <a:lstStyle/>
+          <a:p>
+            <a:r>
+              <a:rPr lang="nl-NL" dirty="0" smtClean="0"/>
+              <a:t>Configuratie:</a:t>
+            </a:r>
+          </a:p>
+          <a:p>
+            <a:pPr marL="285750" indent="-285750">
+              <a:buFontTx/>
+              <a:buChar char="-"/>
+            </a:pPr>
+            <a:r>
+              <a:rPr lang="nl-NL" dirty="0" smtClean="0"/>
+              <a:t>Holland</a:t>
+            </a:r>
+          </a:p>
+          <a:p>
+            <a:pPr marL="285750" indent="-285750">
+              <a:buFontTx/>
+              <a:buChar char="-"/>
+            </a:pPr>
+            <a:r>
+              <a:rPr lang="nl-NL" dirty="0" smtClean="0"/>
+              <a:t>5 treinen</a:t>
+            </a:r>
+          </a:p>
+          <a:p>
+            <a:pPr marL="285750" indent="-285750">
+              <a:buFontTx/>
+              <a:buChar char="-"/>
+            </a:pPr>
+            <a:r>
+              <a:rPr lang="nl-NL" dirty="0" smtClean="0"/>
+              <a:t>Alles kritiek</a:t>
             </a:r>
             <a:endParaRPr lang="nl-NL" dirty="0"/>
           </a:p>
@@ -3695,6 +3868,155 @@
     <p:extLst>
       <p:ext uri="{BB962C8B-B14F-4D97-AF65-F5344CB8AC3E}">
         <p14:creationId xmlns:p14="http://schemas.microsoft.com/office/powerpoint/2010/main" val="1748865610"/>
+      </p:ext>
+    </p:extLst>
+  </p:cSld>
+  <p:clrMapOvr>
+    <a:masterClrMapping/>
+  </p:clrMapOvr>
+</p:sld>
+</file>
+
+<file path=ppt/slides/slide7.xml><?xml version="1.0" encoding="utf-8"?>
+<p:sld xmlns:a="http://schemas.openxmlformats.org/drawingml/2006/main" xmlns:r="http://schemas.openxmlformats.org/officeDocument/2006/relationships" xmlns:p="http://schemas.openxmlformats.org/presentationml/2006/main">
+  <p:cSld>
+    <p:spTree>
+      <p:nvGrpSpPr>
+        <p:cNvPr id="1" name=""/>
+        <p:cNvGrpSpPr/>
+        <p:nvPr/>
+      </p:nvGrpSpPr>
+      <p:grpSpPr>
+        <a:xfrm>
+          <a:off x="0" y="0"/>
+          <a:ext cx="0" cy="0"/>
+          <a:chOff x="0" y="0"/>
+          <a:chExt cx="0" cy="0"/>
+        </a:xfrm>
+      </p:grpSpPr>
+      <p:sp>
+        <p:nvSpPr>
+          <p:cNvPr id="2" name="Title 1"/>
+          <p:cNvSpPr>
+            <a:spLocks noGrp="1"/>
+          </p:cNvSpPr>
+          <p:nvPr>
+            <p:ph type="title"/>
+          </p:nvPr>
+        </p:nvSpPr>
+        <p:spPr/>
+        <p:txBody>
+          <a:bodyPr/>
+          <a:lstStyle/>
+          <a:p>
+            <a:r>
+              <a:rPr lang="nl-NL" dirty="0" smtClean="0"/>
+              <a:t>Verbeterpunten</a:t>
+            </a:r>
+            <a:endParaRPr lang="nl-NL" dirty="0"/>
+          </a:p>
+        </p:txBody>
+      </p:sp>
+      <p:sp>
+        <p:nvSpPr>
+          <p:cNvPr id="3" name="Content Placeholder 2"/>
+          <p:cNvSpPr>
+            <a:spLocks noGrp="1"/>
+          </p:cNvSpPr>
+          <p:nvPr>
+            <p:ph idx="1"/>
+          </p:nvPr>
+        </p:nvSpPr>
+        <p:spPr/>
+        <p:txBody>
+          <a:bodyPr>
+            <a:normAutofit fontScale="85000" lnSpcReduction="20000"/>
+          </a:bodyPr>
+          <a:lstStyle/>
+          <a:p>
+            <a:r>
+              <a:rPr lang="nl-NL" dirty="0" smtClean="0"/>
+              <a:t>Random</a:t>
+            </a:r>
+          </a:p>
+          <a:p>
+            <a:pPr lvl="1"/>
+            <a:r>
+              <a:rPr lang="nl-NL" dirty="0" smtClean="0"/>
+              <a:t>Niet meer kiezen uit al gekozen beginstations</a:t>
+            </a:r>
+            <a:endParaRPr lang="nl-NL" dirty="0"/>
+          </a:p>
+          <a:p>
+            <a:endParaRPr lang="nl-NL" dirty="0"/>
+          </a:p>
+          <a:p>
+            <a:r>
+              <a:rPr lang="nl-NL" dirty="0" smtClean="0"/>
+              <a:t>Dijkstra</a:t>
+            </a:r>
+          </a:p>
+          <a:p>
+            <a:pPr lvl="1"/>
+            <a:r>
+              <a:rPr lang="nl-NL" dirty="0" smtClean="0"/>
+              <a:t>Wel rondjes rijden</a:t>
+            </a:r>
+            <a:endParaRPr lang="nl-NL" dirty="0"/>
+          </a:p>
+          <a:p>
+            <a:endParaRPr lang="nl-NL" dirty="0"/>
+          </a:p>
+          <a:p>
+            <a:r>
+              <a:rPr lang="nl-NL" dirty="0"/>
+              <a:t>Timegreedy</a:t>
+            </a:r>
+          </a:p>
+          <a:p>
+            <a:pPr marL="457200" lvl="1" indent="0">
+              <a:buNone/>
+            </a:pPr>
+            <a:r>
+              <a:rPr lang="nl-NL" dirty="0" smtClean="0"/>
+              <a:t>- Uitbouwen naar scoregreedy</a:t>
+            </a:r>
+            <a:endParaRPr lang="nl-NL" dirty="0"/>
+          </a:p>
+          <a:p>
+            <a:pPr lvl="1"/>
+            <a:endParaRPr lang="nl-NL" dirty="0"/>
+          </a:p>
+          <a:p>
+            <a:r>
+              <a:rPr lang="nl-NL" dirty="0"/>
+              <a:t>Hillclimber met </a:t>
+            </a:r>
+            <a:r>
+              <a:rPr lang="nl-NL" dirty="0" smtClean="0"/>
+              <a:t>randombasis</a:t>
+            </a:r>
+          </a:p>
+          <a:p>
+            <a:pPr lvl="1"/>
+            <a:r>
+              <a:rPr lang="nl-NL" dirty="0" smtClean="0"/>
+              <a:t>Niet meer kiezen uit al gekozen beginstations</a:t>
+            </a:r>
+            <a:endParaRPr lang="nl-NL" dirty="0"/>
+          </a:p>
+          <a:p>
+            <a:endParaRPr lang="nl-NL" dirty="0"/>
+          </a:p>
+          <a:p>
+            <a:endParaRPr lang="nl-NL" dirty="0"/>
+          </a:p>
+        </p:txBody>
+      </p:sp>
+    </p:spTree>
+    <p:extLst>
+      <p:ext uri="{BB962C8B-B14F-4D97-AF65-F5344CB8AC3E}">
+        <p14:creationId xmlns:p14="http://schemas.microsoft.com/office/powerpoint/2010/main" val="938138261"/>
       </p:ext>
     </p:extLst>
   </p:cSld>
